--- a/3-15-2025 issues.pptx
+++ b/3-15-2025 issues.pptx
@@ -10,6 +10,11 @@
     <p:sldId id="263" r:id="rId4"/>
     <p:sldId id="265" r:id="rId5"/>
     <p:sldId id="268" r:id="rId6"/>
+    <p:sldId id="269" r:id="rId7"/>
+    <p:sldId id="271" r:id="rId8"/>
+    <p:sldId id="272" r:id="rId9"/>
+    <p:sldId id="273" r:id="rId10"/>
+    <p:sldId id="274" r:id="rId11"/>
   </p:sldIdLst>
   <p:sldSz cx="12192000" cy="6858000"/>
   <p:notesSz cx="6858000" cy="9144000"/>
@@ -108,6 +113,11 @@
       </a:defRPr>
     </a:lvl9pPr>
   </p:defaultTextStyle>
+  <p:extLst>
+    <p:ext uri="{EFAFB233-063F-42B5-8137-9DF3F51BA10A}">
+      <p15:sldGuideLst xmlns:p15="http://schemas.microsoft.com/office/powerpoint/2012/main"/>
+    </p:ext>
+  </p:extLst>
 </p:presentation>
 </file>
 
@@ -258,7 +268,7 @@
           <a:p>
             <a:fld id="{9F1FD045-E169-40BF-8433-27175D04C22A}" type="datetimeFigureOut">
               <a:rPr lang="en-US" smtClean="0"/>
-              <a:t>3/15/2025</a:t>
+              <a:t>3/17/2025</a:t>
             </a:fld>
             <a:endParaRPr lang="en-US"/>
           </a:p>
@@ -456,7 +466,7 @@
           <a:p>
             <a:fld id="{9F1FD045-E169-40BF-8433-27175D04C22A}" type="datetimeFigureOut">
               <a:rPr lang="en-US" smtClean="0"/>
-              <a:t>3/15/2025</a:t>
+              <a:t>3/17/2025</a:t>
             </a:fld>
             <a:endParaRPr lang="en-US"/>
           </a:p>
@@ -664,7 +674,7 @@
           <a:p>
             <a:fld id="{9F1FD045-E169-40BF-8433-27175D04C22A}" type="datetimeFigureOut">
               <a:rPr lang="en-US" smtClean="0"/>
-              <a:t>3/15/2025</a:t>
+              <a:t>3/17/2025</a:t>
             </a:fld>
             <a:endParaRPr lang="en-US"/>
           </a:p>
@@ -862,7 +872,7 @@
           <a:p>
             <a:fld id="{9F1FD045-E169-40BF-8433-27175D04C22A}" type="datetimeFigureOut">
               <a:rPr lang="en-US" smtClean="0"/>
-              <a:t>3/15/2025</a:t>
+              <a:t>3/17/2025</a:t>
             </a:fld>
             <a:endParaRPr lang="en-US"/>
           </a:p>
@@ -1137,7 +1147,7 @@
           <a:p>
             <a:fld id="{9F1FD045-E169-40BF-8433-27175D04C22A}" type="datetimeFigureOut">
               <a:rPr lang="en-US" smtClean="0"/>
-              <a:t>3/15/2025</a:t>
+              <a:t>3/17/2025</a:t>
             </a:fld>
             <a:endParaRPr lang="en-US"/>
           </a:p>
@@ -1402,7 +1412,7 @@
           <a:p>
             <a:fld id="{9F1FD045-E169-40BF-8433-27175D04C22A}" type="datetimeFigureOut">
               <a:rPr lang="en-US" smtClean="0"/>
-              <a:t>3/15/2025</a:t>
+              <a:t>3/17/2025</a:t>
             </a:fld>
             <a:endParaRPr lang="en-US"/>
           </a:p>
@@ -1814,7 +1824,7 @@
           <a:p>
             <a:fld id="{9F1FD045-E169-40BF-8433-27175D04C22A}" type="datetimeFigureOut">
               <a:rPr lang="en-US" smtClean="0"/>
-              <a:t>3/15/2025</a:t>
+              <a:t>3/17/2025</a:t>
             </a:fld>
             <a:endParaRPr lang="en-US"/>
           </a:p>
@@ -1955,7 +1965,7 @@
           <a:p>
             <a:fld id="{9F1FD045-E169-40BF-8433-27175D04C22A}" type="datetimeFigureOut">
               <a:rPr lang="en-US" smtClean="0"/>
-              <a:t>3/15/2025</a:t>
+              <a:t>3/17/2025</a:t>
             </a:fld>
             <a:endParaRPr lang="en-US"/>
           </a:p>
@@ -2068,7 +2078,7 @@
           <a:p>
             <a:fld id="{9F1FD045-E169-40BF-8433-27175D04C22A}" type="datetimeFigureOut">
               <a:rPr lang="en-US" smtClean="0"/>
-              <a:t>3/15/2025</a:t>
+              <a:t>3/17/2025</a:t>
             </a:fld>
             <a:endParaRPr lang="en-US"/>
           </a:p>
@@ -2379,7 +2389,7 @@
           <a:p>
             <a:fld id="{9F1FD045-E169-40BF-8433-27175D04C22A}" type="datetimeFigureOut">
               <a:rPr lang="en-US" smtClean="0"/>
-              <a:t>3/15/2025</a:t>
+              <a:t>3/17/2025</a:t>
             </a:fld>
             <a:endParaRPr lang="en-US"/>
           </a:p>
@@ -2667,7 +2677,7 @@
           <a:p>
             <a:fld id="{9F1FD045-E169-40BF-8433-27175D04C22A}" type="datetimeFigureOut">
               <a:rPr lang="en-US" smtClean="0"/>
-              <a:t>3/15/2025</a:t>
+              <a:t>3/17/2025</a:t>
             </a:fld>
             <a:endParaRPr lang="en-US"/>
           </a:p>
@@ -2908,7 +2918,7 @@
           <a:p>
             <a:fld id="{9F1FD045-E169-40BF-8433-27175D04C22A}" type="datetimeFigureOut">
               <a:rPr lang="en-US" smtClean="0"/>
-              <a:t>3/15/2025</a:t>
+              <a:t>3/17/2025</a:t>
             </a:fld>
             <a:endParaRPr lang="en-US"/>
           </a:p>
@@ -3371,6 +3381,290 @@
 </p:sld>
 </file>
 
+<file path=ppt/slides/slide10.xml><?xml version="1.0" encoding="utf-8"?>
+<p:sld xmlns:a="http://schemas.openxmlformats.org/drawingml/2006/main" xmlns:r="http://schemas.openxmlformats.org/officeDocument/2006/relationships" xmlns:p="http://schemas.openxmlformats.org/presentationml/2006/main">
+  <p:cSld>
+    <p:spTree>
+      <p:nvGrpSpPr>
+        <p:cNvPr id="1" name=""/>
+        <p:cNvGrpSpPr/>
+        <p:nvPr/>
+      </p:nvGrpSpPr>
+      <p:grpSpPr>
+        <a:xfrm>
+          <a:off x="0" y="0"/>
+          <a:ext cx="0" cy="0"/>
+          <a:chOff x="0" y="0"/>
+          <a:chExt cx="0" cy="0"/>
+        </a:xfrm>
+      </p:grpSpPr>
+      <p:sp>
+        <p:nvSpPr>
+          <p:cNvPr id="2" name="Title 1"/>
+          <p:cNvSpPr>
+            <a:spLocks noGrp="1"/>
+          </p:cNvSpPr>
+          <p:nvPr>
+            <p:ph type="title"/>
+          </p:nvPr>
+        </p:nvSpPr>
+        <p:spPr/>
+        <p:txBody>
+          <a:bodyPr/>
+          <a:lstStyle/>
+          <a:p>
+            <a:r>
+              <a:rPr lang="en-US" dirty="0"/>
+              <a:t>3-15-2025</a:t>
+            </a:r>
+            <a:endParaRPr lang="en-GB" dirty="0"/>
+          </a:p>
+        </p:txBody>
+      </p:sp>
+      <p:sp>
+        <p:nvSpPr>
+          <p:cNvPr id="3" name="Content Placeholder 2"/>
+          <p:cNvSpPr>
+            <a:spLocks noGrp="1"/>
+          </p:cNvSpPr>
+          <p:nvPr>
+            <p:ph sz="half" idx="1"/>
+          </p:nvPr>
+        </p:nvSpPr>
+        <p:spPr>
+          <a:xfrm>
+            <a:off x="838200" y="1825625"/>
+            <a:ext cx="4447653" cy="4351338"/>
+          </a:xfrm>
+        </p:spPr>
+        <p:txBody>
+          <a:bodyPr/>
+          <a:lstStyle/>
+          <a:p>
+            <a:r>
+              <a:rPr lang="en-US" dirty="0"/>
+              <a:t>3</a:t>
+            </a:r>
+          </a:p>
+          <a:p>
+            <a:r>
+              <a:rPr lang="en-US" dirty="0"/>
+              <a:t>The binding on north icon should also kill the Thread started in </a:t>
+            </a:r>
+            <a:r>
+              <a:rPr lang="en-US" dirty="0" err="1"/>
+              <a:t>GPS_to_screen</a:t>
+            </a:r>
+            <a:r>
+              <a:rPr lang="en-US" dirty="0"/>
+              <a:t>() scope</a:t>
+            </a:r>
+          </a:p>
+        </p:txBody>
+      </p:sp>
+      <p:sp>
+        <p:nvSpPr>
+          <p:cNvPr id="6" name="Up Arrow 5"/>
+          <p:cNvSpPr/>
+          <p:nvPr/>
+        </p:nvSpPr>
+        <p:spPr>
+          <a:xfrm rot="12485324">
+            <a:off x="8973126" y="4919093"/>
+            <a:ext cx="310393" cy="1111848"/>
+          </a:xfrm>
+          <a:prstGeom prst="upArrow">
+            <a:avLst/>
+          </a:prstGeom>
+          <a:solidFill>
+            <a:srgbClr val="FF0000"/>
+          </a:solidFill>
+          <a:ln>
+            <a:solidFill>
+              <a:srgbClr val="FFFF00"/>
+            </a:solidFill>
+          </a:ln>
+        </p:spPr>
+        <p:style>
+          <a:lnRef idx="2">
+            <a:schemeClr val="accent1">
+              <a:shade val="50000"/>
+            </a:schemeClr>
+          </a:lnRef>
+          <a:fillRef idx="1">
+            <a:schemeClr val="accent1"/>
+          </a:fillRef>
+          <a:effectRef idx="0">
+            <a:schemeClr val="accent1"/>
+          </a:effectRef>
+          <a:fontRef idx="minor">
+            <a:schemeClr val="lt1"/>
+          </a:fontRef>
+        </p:style>
+        <p:txBody>
+          <a:bodyPr rtlCol="0" anchor="ctr"/>
+          <a:lstStyle/>
+          <a:p>
+            <a:pPr algn="ctr"/>
+            <a:endParaRPr lang="en-GB"/>
+          </a:p>
+        </p:txBody>
+      </p:sp>
+      <p:sp>
+        <p:nvSpPr>
+          <p:cNvPr id="5" name="TextBox 4">
+            <a:extLst>
+              <a:ext uri="{FF2B5EF4-FFF2-40B4-BE49-F238E27FC236}">
+                <a16:creationId xmlns:a16="http://schemas.microsoft.com/office/drawing/2014/main" id="{77DC4494-7980-45FB-8FFB-0312DEFB6493}"/>
+              </a:ext>
+            </a:extLst>
+          </p:cNvPr>
+          <p:cNvSpPr txBox="1"/>
+          <p:nvPr/>
+        </p:nvSpPr>
+        <p:spPr>
+          <a:xfrm>
+            <a:off x="9166423" y="2803648"/>
+            <a:ext cx="2383722" cy="1477328"/>
+          </a:xfrm>
+          <a:prstGeom prst="rect">
+            <a:avLst/>
+          </a:prstGeom>
+          <a:noFill/>
+        </p:spPr>
+        <p:txBody>
+          <a:bodyPr wrap="square" rtlCol="0">
+            <a:spAutoFit/>
+          </a:bodyPr>
+          <a:lstStyle/>
+          <a:p>
+            <a:r>
+              <a:rPr lang="en-US" dirty="0"/>
+              <a:t>Ctrl-Alt-Double click, binding to close the app</a:t>
+            </a:r>
+          </a:p>
+          <a:p>
+            <a:endParaRPr lang="en-US" dirty="0"/>
+          </a:p>
+          <a:p>
+            <a:r>
+              <a:rPr lang="en-US" dirty="0"/>
+              <a:t>Scope of </a:t>
+            </a:r>
+            <a:r>
+              <a:rPr lang="en-US" dirty="0" err="1"/>
+              <a:t>TrackPlot</a:t>
+            </a:r>
+            <a:r>
+              <a:rPr lang="en-US" dirty="0"/>
+              <a:t>() ?</a:t>
+            </a:r>
+          </a:p>
+        </p:txBody>
+      </p:sp>
+      <p:pic>
+        <p:nvPicPr>
+          <p:cNvPr id="7" name="Picture 6">
+            <a:extLst>
+              <a:ext uri="{FF2B5EF4-FFF2-40B4-BE49-F238E27FC236}">
+                <a16:creationId xmlns:a16="http://schemas.microsoft.com/office/drawing/2014/main" id="{B9F08003-193A-46A4-98C2-976CD65E0A00}"/>
+              </a:ext>
+            </a:extLst>
+          </p:cNvPr>
+          <p:cNvPicPr>
+            <a:picLocks noChangeAspect="1"/>
+          </p:cNvPicPr>
+          <p:nvPr/>
+        </p:nvPicPr>
+        <p:blipFill>
+          <a:blip r:embed="rId2"/>
+          <a:stretch>
+            <a:fillRect/>
+          </a:stretch>
+        </p:blipFill>
+        <p:spPr>
+          <a:xfrm>
+            <a:off x="9013841" y="0"/>
+            <a:ext cx="2983516" cy="6858000"/>
+          </a:xfrm>
+          <a:prstGeom prst="rect">
+            <a:avLst/>
+          </a:prstGeom>
+        </p:spPr>
+      </p:pic>
+      <p:pic>
+        <p:nvPicPr>
+          <p:cNvPr id="9" name="Picture 8">
+            <a:extLst>
+              <a:ext uri="{FF2B5EF4-FFF2-40B4-BE49-F238E27FC236}">
+                <a16:creationId xmlns:a16="http://schemas.microsoft.com/office/drawing/2014/main" id="{4DF1BA40-2D9A-492B-982A-29E7B34DB279}"/>
+              </a:ext>
+            </a:extLst>
+          </p:cNvPr>
+          <p:cNvPicPr>
+            <a:picLocks noChangeAspect="1"/>
+          </p:cNvPicPr>
+          <p:nvPr/>
+        </p:nvPicPr>
+        <p:blipFill>
+          <a:blip r:embed="rId3"/>
+          <a:stretch>
+            <a:fillRect/>
+          </a:stretch>
+        </p:blipFill>
+        <p:spPr>
+          <a:xfrm>
+            <a:off x="5646331" y="0"/>
+            <a:ext cx="3007032" cy="6858000"/>
+          </a:xfrm>
+          <a:prstGeom prst="rect">
+            <a:avLst/>
+          </a:prstGeom>
+        </p:spPr>
+      </p:pic>
+      <p:pic>
+        <p:nvPicPr>
+          <p:cNvPr id="4" name="Picture 3">
+            <a:extLst>
+              <a:ext uri="{FF2B5EF4-FFF2-40B4-BE49-F238E27FC236}">
+                <a16:creationId xmlns:a16="http://schemas.microsoft.com/office/drawing/2014/main" id="{1033CBBB-5108-4AFE-B72C-376148C4BE38}"/>
+              </a:ext>
+            </a:extLst>
+          </p:cNvPr>
+          <p:cNvPicPr>
+            <a:picLocks noChangeAspect="1"/>
+          </p:cNvPicPr>
+          <p:nvPr/>
+        </p:nvPicPr>
+        <p:blipFill>
+          <a:blip r:embed="rId4"/>
+          <a:stretch>
+            <a:fillRect/>
+          </a:stretch>
+        </p:blipFill>
+        <p:spPr>
+          <a:xfrm>
+            <a:off x="1577770" y="113312"/>
+            <a:ext cx="2968511" cy="6858000"/>
+          </a:xfrm>
+          <a:prstGeom prst="rect">
+            <a:avLst/>
+          </a:prstGeom>
+        </p:spPr>
+      </p:pic>
+    </p:spTree>
+    <p:extLst>
+      <p:ext uri="{BB962C8B-B14F-4D97-AF65-F5344CB8AC3E}">
+        <p14:creationId xmlns:p14="http://schemas.microsoft.com/office/powerpoint/2010/main" val="981182746"/>
+      </p:ext>
+    </p:extLst>
+  </p:cSld>
+  <p:clrMapOvr>
+    <a:masterClrMapping/>
+  </p:clrMapOvr>
+</p:sld>
+</file>
+
 <file path=ppt/slides/slide2.xml><?xml version="1.0" encoding="utf-8"?>
 <p:sld xmlns:a="http://schemas.openxmlformats.org/drawingml/2006/main" xmlns:r="http://schemas.openxmlformats.org/officeDocument/2006/relationships" xmlns:p="http://schemas.openxmlformats.org/presentationml/2006/main">
   <p:cSld>
@@ -4381,6 +4675,1119 @@
     <p:extLst>
       <p:ext uri="{BB962C8B-B14F-4D97-AF65-F5344CB8AC3E}">
         <p14:creationId xmlns:p14="http://schemas.microsoft.com/office/powerpoint/2010/main" val="407061812"/>
+      </p:ext>
+    </p:extLst>
+  </p:cSld>
+  <p:clrMapOvr>
+    <a:masterClrMapping/>
+  </p:clrMapOvr>
+</p:sld>
+</file>
+
+<file path=ppt/slides/slide6.xml><?xml version="1.0" encoding="utf-8"?>
+<p:sld xmlns:a="http://schemas.openxmlformats.org/drawingml/2006/main" xmlns:r="http://schemas.openxmlformats.org/officeDocument/2006/relationships" xmlns:p="http://schemas.openxmlformats.org/presentationml/2006/main">
+  <p:cSld>
+    <p:spTree>
+      <p:nvGrpSpPr>
+        <p:cNvPr id="1" name=""/>
+        <p:cNvGrpSpPr/>
+        <p:nvPr/>
+      </p:nvGrpSpPr>
+      <p:grpSpPr>
+        <a:xfrm>
+          <a:off x="0" y="0"/>
+          <a:ext cx="0" cy="0"/>
+          <a:chOff x="0" y="0"/>
+          <a:chExt cx="0" cy="0"/>
+        </a:xfrm>
+      </p:grpSpPr>
+      <p:pic>
+        <p:nvPicPr>
+          <p:cNvPr id="4" name="Picture 3">
+            <a:extLst>
+              <a:ext uri="{FF2B5EF4-FFF2-40B4-BE49-F238E27FC236}">
+                <a16:creationId xmlns:a16="http://schemas.microsoft.com/office/drawing/2014/main" id="{139770BB-86EF-4045-82CF-260E3D5BBA8C}"/>
+              </a:ext>
+            </a:extLst>
+          </p:cNvPr>
+          <p:cNvPicPr>
+            <a:picLocks noChangeAspect="1"/>
+          </p:cNvPicPr>
+          <p:nvPr/>
+        </p:nvPicPr>
+        <p:blipFill>
+          <a:blip r:embed="rId2"/>
+          <a:stretch>
+            <a:fillRect/>
+          </a:stretch>
+        </p:blipFill>
+        <p:spPr>
+          <a:xfrm>
+            <a:off x="6096000" y="0"/>
+            <a:ext cx="2994222" cy="6858000"/>
+          </a:xfrm>
+          <a:prstGeom prst="rect">
+            <a:avLst/>
+          </a:prstGeom>
+        </p:spPr>
+      </p:pic>
+      <p:sp>
+        <p:nvSpPr>
+          <p:cNvPr id="2" name="Title 1"/>
+          <p:cNvSpPr>
+            <a:spLocks noGrp="1"/>
+          </p:cNvSpPr>
+          <p:nvPr>
+            <p:ph type="title"/>
+          </p:nvPr>
+        </p:nvSpPr>
+        <p:spPr/>
+        <p:txBody>
+          <a:bodyPr/>
+          <a:lstStyle/>
+          <a:p>
+            <a:r>
+              <a:rPr lang="en-US" dirty="0"/>
+              <a:t>3-15-2025</a:t>
+            </a:r>
+            <a:endParaRPr lang="en-GB" dirty="0"/>
+          </a:p>
+        </p:txBody>
+      </p:sp>
+      <p:sp>
+        <p:nvSpPr>
+          <p:cNvPr id="3" name="Content Placeholder 2"/>
+          <p:cNvSpPr>
+            <a:spLocks noGrp="1"/>
+          </p:cNvSpPr>
+          <p:nvPr>
+            <p:ph sz="half" idx="1"/>
+          </p:nvPr>
+        </p:nvSpPr>
+        <p:spPr/>
+        <p:txBody>
+          <a:bodyPr/>
+          <a:lstStyle/>
+          <a:p>
+            <a:r>
+              <a:rPr lang="en-US" dirty="0"/>
+              <a:t>1</a:t>
+            </a:r>
+          </a:p>
+          <a:p>
+            <a:r>
+              <a:rPr lang="en-US" dirty="0"/>
+              <a:t>Ctrl-Alt-Double click, binding to close the app</a:t>
+            </a:r>
+          </a:p>
+          <a:p>
+            <a:pPr marL="0" indent="0">
+              <a:buNone/>
+            </a:pPr>
+            <a:endParaRPr lang="en-US" dirty="0"/>
+          </a:p>
+          <a:p>
+            <a:r>
+              <a:rPr lang="en-US" dirty="0"/>
+              <a:t>The binding on north icon should also kill the Thread started in </a:t>
+            </a:r>
+            <a:r>
+              <a:rPr lang="en-US" dirty="0" err="1"/>
+              <a:t>GPS_to_screen</a:t>
+            </a:r>
+            <a:r>
+              <a:rPr lang="en-US" dirty="0"/>
+              <a:t>() scope</a:t>
+            </a:r>
+          </a:p>
+        </p:txBody>
+      </p:sp>
+      <p:sp>
+        <p:nvSpPr>
+          <p:cNvPr id="6" name="Up Arrow 5"/>
+          <p:cNvSpPr/>
+          <p:nvPr/>
+        </p:nvSpPr>
+        <p:spPr>
+          <a:xfrm rot="12485324">
+            <a:off x="8973126" y="4919093"/>
+            <a:ext cx="310393" cy="1111848"/>
+          </a:xfrm>
+          <a:prstGeom prst="upArrow">
+            <a:avLst/>
+          </a:prstGeom>
+          <a:solidFill>
+            <a:srgbClr val="FF0000"/>
+          </a:solidFill>
+          <a:ln>
+            <a:solidFill>
+              <a:srgbClr val="FFFF00"/>
+            </a:solidFill>
+          </a:ln>
+        </p:spPr>
+        <p:style>
+          <a:lnRef idx="2">
+            <a:schemeClr val="accent1">
+              <a:shade val="50000"/>
+            </a:schemeClr>
+          </a:lnRef>
+          <a:fillRef idx="1">
+            <a:schemeClr val="accent1"/>
+          </a:fillRef>
+          <a:effectRef idx="0">
+            <a:schemeClr val="accent1"/>
+          </a:effectRef>
+          <a:fontRef idx="minor">
+            <a:schemeClr val="lt1"/>
+          </a:fontRef>
+        </p:style>
+        <p:txBody>
+          <a:bodyPr rtlCol="0" anchor="ctr"/>
+          <a:lstStyle/>
+          <a:p>
+            <a:pPr algn="ctr"/>
+            <a:endParaRPr lang="en-GB"/>
+          </a:p>
+        </p:txBody>
+      </p:sp>
+      <p:sp>
+        <p:nvSpPr>
+          <p:cNvPr id="5" name="TextBox 4">
+            <a:extLst>
+              <a:ext uri="{FF2B5EF4-FFF2-40B4-BE49-F238E27FC236}">
+                <a16:creationId xmlns:a16="http://schemas.microsoft.com/office/drawing/2014/main" id="{77DC4494-7980-45FB-8FFB-0312DEFB6493}"/>
+              </a:ext>
+            </a:extLst>
+          </p:cNvPr>
+          <p:cNvSpPr txBox="1"/>
+          <p:nvPr/>
+        </p:nvSpPr>
+        <p:spPr>
+          <a:xfrm>
+            <a:off x="9166423" y="2803648"/>
+            <a:ext cx="2383722" cy="1477328"/>
+          </a:xfrm>
+          <a:prstGeom prst="rect">
+            <a:avLst/>
+          </a:prstGeom>
+          <a:noFill/>
+        </p:spPr>
+        <p:txBody>
+          <a:bodyPr wrap="square" rtlCol="0">
+            <a:spAutoFit/>
+          </a:bodyPr>
+          <a:lstStyle/>
+          <a:p>
+            <a:r>
+              <a:rPr lang="en-US" dirty="0"/>
+              <a:t>Ctrl-Alt-Double click, binding to close the app</a:t>
+            </a:r>
+          </a:p>
+          <a:p>
+            <a:endParaRPr lang="en-US" dirty="0"/>
+          </a:p>
+          <a:p>
+            <a:r>
+              <a:rPr lang="en-US" dirty="0"/>
+              <a:t>Scope of </a:t>
+            </a:r>
+            <a:r>
+              <a:rPr lang="en-US" dirty="0" err="1"/>
+              <a:t>TrackPlot</a:t>
+            </a:r>
+            <a:r>
+              <a:rPr lang="en-US" dirty="0"/>
+              <a:t>() ?</a:t>
+            </a:r>
+          </a:p>
+        </p:txBody>
+      </p:sp>
+    </p:spTree>
+    <p:extLst>
+      <p:ext uri="{BB962C8B-B14F-4D97-AF65-F5344CB8AC3E}">
+        <p14:creationId xmlns:p14="http://schemas.microsoft.com/office/powerpoint/2010/main" val="2274645519"/>
+      </p:ext>
+    </p:extLst>
+  </p:cSld>
+  <p:clrMapOvr>
+    <a:masterClrMapping/>
+  </p:clrMapOvr>
+</p:sld>
+</file>
+
+<file path=ppt/slides/slide7.xml><?xml version="1.0" encoding="utf-8"?>
+<p:sld xmlns:a="http://schemas.openxmlformats.org/drawingml/2006/main" xmlns:r="http://schemas.openxmlformats.org/officeDocument/2006/relationships" xmlns:p="http://schemas.openxmlformats.org/presentationml/2006/main">
+  <p:cSld>
+    <p:spTree>
+      <p:nvGrpSpPr>
+        <p:cNvPr id="1" name=""/>
+        <p:cNvGrpSpPr/>
+        <p:nvPr/>
+      </p:nvGrpSpPr>
+      <p:grpSpPr>
+        <a:xfrm>
+          <a:off x="0" y="0"/>
+          <a:ext cx="0" cy="0"/>
+          <a:chOff x="0" y="0"/>
+          <a:chExt cx="0" cy="0"/>
+        </a:xfrm>
+      </p:grpSpPr>
+      <p:sp>
+        <p:nvSpPr>
+          <p:cNvPr id="2" name="Title 1"/>
+          <p:cNvSpPr>
+            <a:spLocks noGrp="1"/>
+          </p:cNvSpPr>
+          <p:nvPr>
+            <p:ph type="title"/>
+          </p:nvPr>
+        </p:nvSpPr>
+        <p:spPr/>
+        <p:txBody>
+          <a:bodyPr/>
+          <a:lstStyle/>
+          <a:p>
+            <a:r>
+              <a:rPr lang="en-US" dirty="0"/>
+              <a:t>3-15-2025</a:t>
+            </a:r>
+            <a:endParaRPr lang="en-GB" dirty="0"/>
+          </a:p>
+        </p:txBody>
+      </p:sp>
+      <p:sp>
+        <p:nvSpPr>
+          <p:cNvPr id="3" name="Content Placeholder 2"/>
+          <p:cNvSpPr>
+            <a:spLocks noGrp="1"/>
+          </p:cNvSpPr>
+          <p:nvPr>
+            <p:ph sz="half" idx="1"/>
+          </p:nvPr>
+        </p:nvSpPr>
+        <p:spPr>
+          <a:xfrm>
+            <a:off x="838200" y="1825625"/>
+            <a:ext cx="4731840" cy="4351338"/>
+          </a:xfrm>
+        </p:spPr>
+        <p:txBody>
+          <a:bodyPr/>
+          <a:lstStyle/>
+          <a:p>
+            <a:r>
+              <a:rPr lang="en-US" dirty="0"/>
+              <a:t>2</a:t>
+            </a:r>
+          </a:p>
+          <a:p>
+            <a:r>
+              <a:rPr lang="en-US" dirty="0"/>
+              <a:t>The binding on north icon should also kill the Thread started in </a:t>
+            </a:r>
+            <a:r>
+              <a:rPr lang="en-US" dirty="0" err="1"/>
+              <a:t>GPS_to_screen</a:t>
+            </a:r>
+            <a:r>
+              <a:rPr lang="en-US" dirty="0"/>
+              <a:t>() scope</a:t>
+            </a:r>
+          </a:p>
+        </p:txBody>
+      </p:sp>
+      <p:sp>
+        <p:nvSpPr>
+          <p:cNvPr id="6" name="Up Arrow 5"/>
+          <p:cNvSpPr/>
+          <p:nvPr/>
+        </p:nvSpPr>
+        <p:spPr>
+          <a:xfrm rot="12485324">
+            <a:off x="8973126" y="4919093"/>
+            <a:ext cx="310393" cy="1111848"/>
+          </a:xfrm>
+          <a:prstGeom prst="upArrow">
+            <a:avLst/>
+          </a:prstGeom>
+          <a:solidFill>
+            <a:srgbClr val="FF0000"/>
+          </a:solidFill>
+          <a:ln>
+            <a:solidFill>
+              <a:srgbClr val="FFFF00"/>
+            </a:solidFill>
+          </a:ln>
+        </p:spPr>
+        <p:style>
+          <a:lnRef idx="2">
+            <a:schemeClr val="accent1">
+              <a:shade val="50000"/>
+            </a:schemeClr>
+          </a:lnRef>
+          <a:fillRef idx="1">
+            <a:schemeClr val="accent1"/>
+          </a:fillRef>
+          <a:effectRef idx="0">
+            <a:schemeClr val="accent1"/>
+          </a:effectRef>
+          <a:fontRef idx="minor">
+            <a:schemeClr val="lt1"/>
+          </a:fontRef>
+        </p:style>
+        <p:txBody>
+          <a:bodyPr rtlCol="0" anchor="ctr"/>
+          <a:lstStyle/>
+          <a:p>
+            <a:pPr algn="ctr"/>
+            <a:endParaRPr lang="en-GB"/>
+          </a:p>
+        </p:txBody>
+      </p:sp>
+      <p:sp>
+        <p:nvSpPr>
+          <p:cNvPr id="5" name="TextBox 4">
+            <a:extLst>
+              <a:ext uri="{FF2B5EF4-FFF2-40B4-BE49-F238E27FC236}">
+                <a16:creationId xmlns:a16="http://schemas.microsoft.com/office/drawing/2014/main" id="{77DC4494-7980-45FB-8FFB-0312DEFB6493}"/>
+              </a:ext>
+            </a:extLst>
+          </p:cNvPr>
+          <p:cNvSpPr txBox="1"/>
+          <p:nvPr/>
+        </p:nvSpPr>
+        <p:spPr>
+          <a:xfrm>
+            <a:off x="9166423" y="2803648"/>
+            <a:ext cx="2383722" cy="1477328"/>
+          </a:xfrm>
+          <a:prstGeom prst="rect">
+            <a:avLst/>
+          </a:prstGeom>
+          <a:noFill/>
+        </p:spPr>
+        <p:txBody>
+          <a:bodyPr wrap="square" rtlCol="0">
+            <a:spAutoFit/>
+          </a:bodyPr>
+          <a:lstStyle/>
+          <a:p>
+            <a:r>
+              <a:rPr lang="en-US" dirty="0"/>
+              <a:t>Ctrl-Alt-Double click, binding to close the app</a:t>
+            </a:r>
+          </a:p>
+          <a:p>
+            <a:endParaRPr lang="en-US" dirty="0"/>
+          </a:p>
+          <a:p>
+            <a:r>
+              <a:rPr lang="en-US" dirty="0"/>
+              <a:t>Scope of </a:t>
+            </a:r>
+            <a:r>
+              <a:rPr lang="en-US" dirty="0" err="1"/>
+              <a:t>TrackPlot</a:t>
+            </a:r>
+            <a:r>
+              <a:rPr lang="en-US" dirty="0"/>
+              <a:t>() ?</a:t>
+            </a:r>
+          </a:p>
+        </p:txBody>
+      </p:sp>
+      <p:pic>
+        <p:nvPicPr>
+          <p:cNvPr id="8" name="Picture 7">
+            <a:extLst>
+              <a:ext uri="{FF2B5EF4-FFF2-40B4-BE49-F238E27FC236}">
+                <a16:creationId xmlns:a16="http://schemas.microsoft.com/office/drawing/2014/main" id="{D161EEFD-8172-4781-BB23-ECED158F8E4B}"/>
+              </a:ext>
+            </a:extLst>
+          </p:cNvPr>
+          <p:cNvPicPr>
+            <a:picLocks noChangeAspect="1"/>
+          </p:cNvPicPr>
+          <p:nvPr/>
+        </p:nvPicPr>
+        <p:blipFill>
+          <a:blip r:embed="rId2"/>
+          <a:stretch>
+            <a:fillRect/>
+          </a:stretch>
+        </p:blipFill>
+        <p:spPr>
+          <a:xfrm>
+            <a:off x="318781" y="4064543"/>
+            <a:ext cx="12192000" cy="2820948"/>
+          </a:xfrm>
+          <a:prstGeom prst="rect">
+            <a:avLst/>
+          </a:prstGeom>
+        </p:spPr>
+      </p:pic>
+      <p:pic>
+        <p:nvPicPr>
+          <p:cNvPr id="7" name="Picture 6">
+            <a:extLst>
+              <a:ext uri="{FF2B5EF4-FFF2-40B4-BE49-F238E27FC236}">
+                <a16:creationId xmlns:a16="http://schemas.microsoft.com/office/drawing/2014/main" id="{B9F08003-193A-46A4-98C2-976CD65E0A00}"/>
+              </a:ext>
+            </a:extLst>
+          </p:cNvPr>
+          <p:cNvPicPr>
+            <a:picLocks noChangeAspect="1"/>
+          </p:cNvPicPr>
+          <p:nvPr/>
+        </p:nvPicPr>
+        <p:blipFill>
+          <a:blip r:embed="rId3"/>
+          <a:stretch>
+            <a:fillRect/>
+          </a:stretch>
+        </p:blipFill>
+        <p:spPr>
+          <a:xfrm>
+            <a:off x="8889703" y="0"/>
+            <a:ext cx="2983516" cy="6858000"/>
+          </a:xfrm>
+          <a:prstGeom prst="rect">
+            <a:avLst/>
+          </a:prstGeom>
+        </p:spPr>
+      </p:pic>
+    </p:spTree>
+    <p:extLst>
+      <p:ext uri="{BB962C8B-B14F-4D97-AF65-F5344CB8AC3E}">
+        <p14:creationId xmlns:p14="http://schemas.microsoft.com/office/powerpoint/2010/main" val="820008"/>
+      </p:ext>
+    </p:extLst>
+  </p:cSld>
+  <p:clrMapOvr>
+    <a:masterClrMapping/>
+  </p:clrMapOvr>
+</p:sld>
+</file>
+
+<file path=ppt/slides/slide8.xml><?xml version="1.0" encoding="utf-8"?>
+<p:sld xmlns:a="http://schemas.openxmlformats.org/drawingml/2006/main" xmlns:r="http://schemas.openxmlformats.org/officeDocument/2006/relationships" xmlns:p="http://schemas.openxmlformats.org/presentationml/2006/main">
+  <p:cSld>
+    <p:spTree>
+      <p:nvGrpSpPr>
+        <p:cNvPr id="1" name=""/>
+        <p:cNvGrpSpPr/>
+        <p:nvPr/>
+      </p:nvGrpSpPr>
+      <p:grpSpPr>
+        <a:xfrm>
+          <a:off x="0" y="0"/>
+          <a:ext cx="0" cy="0"/>
+          <a:chOff x="0" y="0"/>
+          <a:chExt cx="0" cy="0"/>
+        </a:xfrm>
+      </p:grpSpPr>
+      <p:sp>
+        <p:nvSpPr>
+          <p:cNvPr id="2" name="Title 1"/>
+          <p:cNvSpPr>
+            <a:spLocks noGrp="1"/>
+          </p:cNvSpPr>
+          <p:nvPr>
+            <p:ph type="title"/>
+          </p:nvPr>
+        </p:nvSpPr>
+        <p:spPr/>
+        <p:txBody>
+          <a:bodyPr/>
+          <a:lstStyle/>
+          <a:p>
+            <a:r>
+              <a:rPr lang="en-US" dirty="0"/>
+              <a:t>3-15-2025</a:t>
+            </a:r>
+            <a:endParaRPr lang="en-GB" dirty="0"/>
+          </a:p>
+        </p:txBody>
+      </p:sp>
+      <p:sp>
+        <p:nvSpPr>
+          <p:cNvPr id="3" name="Content Placeholder 2"/>
+          <p:cNvSpPr>
+            <a:spLocks noGrp="1"/>
+          </p:cNvSpPr>
+          <p:nvPr>
+            <p:ph sz="half" idx="1"/>
+          </p:nvPr>
+        </p:nvSpPr>
+        <p:spPr>
+          <a:xfrm>
+            <a:off x="838200" y="1825625"/>
+            <a:ext cx="4447653" cy="4351338"/>
+          </a:xfrm>
+        </p:spPr>
+        <p:txBody>
+          <a:bodyPr/>
+          <a:lstStyle/>
+          <a:p>
+            <a:r>
+              <a:rPr lang="en-US" dirty="0"/>
+              <a:t>3</a:t>
+            </a:r>
+          </a:p>
+          <a:p>
+            <a:r>
+              <a:rPr lang="en-US" dirty="0"/>
+              <a:t>The binding on north icon should also kill the Thread started in </a:t>
+            </a:r>
+            <a:r>
+              <a:rPr lang="en-US" dirty="0" err="1"/>
+              <a:t>GPS_to_screen</a:t>
+            </a:r>
+            <a:r>
+              <a:rPr lang="en-US" dirty="0"/>
+              <a:t>() scope</a:t>
+            </a:r>
+          </a:p>
+        </p:txBody>
+      </p:sp>
+      <p:sp>
+        <p:nvSpPr>
+          <p:cNvPr id="6" name="Up Arrow 5"/>
+          <p:cNvSpPr/>
+          <p:nvPr/>
+        </p:nvSpPr>
+        <p:spPr>
+          <a:xfrm rot="12485324">
+            <a:off x="8973126" y="4919093"/>
+            <a:ext cx="310393" cy="1111848"/>
+          </a:xfrm>
+          <a:prstGeom prst="upArrow">
+            <a:avLst/>
+          </a:prstGeom>
+          <a:solidFill>
+            <a:srgbClr val="FF0000"/>
+          </a:solidFill>
+          <a:ln>
+            <a:solidFill>
+              <a:srgbClr val="FFFF00"/>
+            </a:solidFill>
+          </a:ln>
+        </p:spPr>
+        <p:style>
+          <a:lnRef idx="2">
+            <a:schemeClr val="accent1">
+              <a:shade val="50000"/>
+            </a:schemeClr>
+          </a:lnRef>
+          <a:fillRef idx="1">
+            <a:schemeClr val="accent1"/>
+          </a:fillRef>
+          <a:effectRef idx="0">
+            <a:schemeClr val="accent1"/>
+          </a:effectRef>
+          <a:fontRef idx="minor">
+            <a:schemeClr val="lt1"/>
+          </a:fontRef>
+        </p:style>
+        <p:txBody>
+          <a:bodyPr rtlCol="0" anchor="ctr"/>
+          <a:lstStyle/>
+          <a:p>
+            <a:pPr algn="ctr"/>
+            <a:endParaRPr lang="en-GB"/>
+          </a:p>
+        </p:txBody>
+      </p:sp>
+      <p:sp>
+        <p:nvSpPr>
+          <p:cNvPr id="5" name="TextBox 4">
+            <a:extLst>
+              <a:ext uri="{FF2B5EF4-FFF2-40B4-BE49-F238E27FC236}">
+                <a16:creationId xmlns:a16="http://schemas.microsoft.com/office/drawing/2014/main" id="{77DC4494-7980-45FB-8FFB-0312DEFB6493}"/>
+              </a:ext>
+            </a:extLst>
+          </p:cNvPr>
+          <p:cNvSpPr txBox="1"/>
+          <p:nvPr/>
+        </p:nvSpPr>
+        <p:spPr>
+          <a:xfrm>
+            <a:off x="9166423" y="2803648"/>
+            <a:ext cx="2383722" cy="1477328"/>
+          </a:xfrm>
+          <a:prstGeom prst="rect">
+            <a:avLst/>
+          </a:prstGeom>
+          <a:noFill/>
+        </p:spPr>
+        <p:txBody>
+          <a:bodyPr wrap="square" rtlCol="0">
+            <a:spAutoFit/>
+          </a:bodyPr>
+          <a:lstStyle/>
+          <a:p>
+            <a:r>
+              <a:rPr lang="en-US" dirty="0"/>
+              <a:t>Ctrl-Alt-Double click, binding to close the app</a:t>
+            </a:r>
+          </a:p>
+          <a:p>
+            <a:endParaRPr lang="en-US" dirty="0"/>
+          </a:p>
+          <a:p>
+            <a:r>
+              <a:rPr lang="en-US" dirty="0"/>
+              <a:t>Scope of </a:t>
+            </a:r>
+            <a:r>
+              <a:rPr lang="en-US" dirty="0" err="1"/>
+              <a:t>TrackPlot</a:t>
+            </a:r>
+            <a:r>
+              <a:rPr lang="en-US" dirty="0"/>
+              <a:t>() ?</a:t>
+            </a:r>
+          </a:p>
+        </p:txBody>
+      </p:sp>
+      <p:pic>
+        <p:nvPicPr>
+          <p:cNvPr id="7" name="Picture 6">
+            <a:extLst>
+              <a:ext uri="{FF2B5EF4-FFF2-40B4-BE49-F238E27FC236}">
+                <a16:creationId xmlns:a16="http://schemas.microsoft.com/office/drawing/2014/main" id="{B9F08003-193A-46A4-98C2-976CD65E0A00}"/>
+              </a:ext>
+            </a:extLst>
+          </p:cNvPr>
+          <p:cNvPicPr>
+            <a:picLocks noChangeAspect="1"/>
+          </p:cNvPicPr>
+          <p:nvPr/>
+        </p:nvPicPr>
+        <p:blipFill>
+          <a:blip r:embed="rId2"/>
+          <a:stretch>
+            <a:fillRect/>
+          </a:stretch>
+        </p:blipFill>
+        <p:spPr>
+          <a:xfrm>
+            <a:off x="9013841" y="0"/>
+            <a:ext cx="2983516" cy="6858000"/>
+          </a:xfrm>
+          <a:prstGeom prst="rect">
+            <a:avLst/>
+          </a:prstGeom>
+        </p:spPr>
+      </p:pic>
+      <p:pic>
+        <p:nvPicPr>
+          <p:cNvPr id="9" name="Picture 8">
+            <a:extLst>
+              <a:ext uri="{FF2B5EF4-FFF2-40B4-BE49-F238E27FC236}">
+                <a16:creationId xmlns:a16="http://schemas.microsoft.com/office/drawing/2014/main" id="{4DF1BA40-2D9A-492B-982A-29E7B34DB279}"/>
+              </a:ext>
+            </a:extLst>
+          </p:cNvPr>
+          <p:cNvPicPr>
+            <a:picLocks noChangeAspect="1"/>
+          </p:cNvPicPr>
+          <p:nvPr/>
+        </p:nvPicPr>
+        <p:blipFill>
+          <a:blip r:embed="rId3"/>
+          <a:stretch>
+            <a:fillRect/>
+          </a:stretch>
+        </p:blipFill>
+        <p:spPr>
+          <a:xfrm>
+            <a:off x="5646331" y="0"/>
+            <a:ext cx="3007032" cy="6858000"/>
+          </a:xfrm>
+          <a:prstGeom prst="rect">
+            <a:avLst/>
+          </a:prstGeom>
+        </p:spPr>
+      </p:pic>
+    </p:spTree>
+    <p:extLst>
+      <p:ext uri="{BB962C8B-B14F-4D97-AF65-F5344CB8AC3E}">
+        <p14:creationId xmlns:p14="http://schemas.microsoft.com/office/powerpoint/2010/main" val="1493270519"/>
+      </p:ext>
+    </p:extLst>
+  </p:cSld>
+  <p:clrMapOvr>
+    <a:masterClrMapping/>
+  </p:clrMapOvr>
+</p:sld>
+</file>
+
+<file path=ppt/slides/slide9.xml><?xml version="1.0" encoding="utf-8"?>
+<p:sld xmlns:a="http://schemas.openxmlformats.org/drawingml/2006/main" xmlns:r="http://schemas.openxmlformats.org/officeDocument/2006/relationships" xmlns:p="http://schemas.openxmlformats.org/presentationml/2006/main">
+  <p:cSld>
+    <p:spTree>
+      <p:nvGrpSpPr>
+        <p:cNvPr id="1" name=""/>
+        <p:cNvGrpSpPr/>
+        <p:nvPr/>
+      </p:nvGrpSpPr>
+      <p:grpSpPr>
+        <a:xfrm>
+          <a:off x="0" y="0"/>
+          <a:ext cx="0" cy="0"/>
+          <a:chOff x="0" y="0"/>
+          <a:chExt cx="0" cy="0"/>
+        </a:xfrm>
+      </p:grpSpPr>
+      <p:sp>
+        <p:nvSpPr>
+          <p:cNvPr id="2" name="Title 1"/>
+          <p:cNvSpPr>
+            <a:spLocks noGrp="1"/>
+          </p:cNvSpPr>
+          <p:nvPr>
+            <p:ph type="title"/>
+          </p:nvPr>
+        </p:nvSpPr>
+        <p:spPr/>
+        <p:txBody>
+          <a:bodyPr/>
+          <a:lstStyle/>
+          <a:p>
+            <a:r>
+              <a:rPr lang="en-US" dirty="0"/>
+              <a:t>3-15-2025</a:t>
+            </a:r>
+            <a:endParaRPr lang="en-GB" dirty="0"/>
+          </a:p>
+        </p:txBody>
+      </p:sp>
+      <p:sp>
+        <p:nvSpPr>
+          <p:cNvPr id="3" name="Content Placeholder 2"/>
+          <p:cNvSpPr>
+            <a:spLocks noGrp="1"/>
+          </p:cNvSpPr>
+          <p:nvPr>
+            <p:ph sz="half" idx="1"/>
+          </p:nvPr>
+        </p:nvSpPr>
+        <p:spPr>
+          <a:xfrm>
+            <a:off x="838200" y="1825625"/>
+            <a:ext cx="4447653" cy="4351338"/>
+          </a:xfrm>
+        </p:spPr>
+        <p:txBody>
+          <a:bodyPr/>
+          <a:lstStyle/>
+          <a:p>
+            <a:r>
+              <a:rPr lang="en-US" dirty="0"/>
+              <a:t>3</a:t>
+            </a:r>
+          </a:p>
+          <a:p>
+            <a:r>
+              <a:rPr lang="en-US" dirty="0"/>
+              <a:t>The binding on north icon should also kill the Thread started in </a:t>
+            </a:r>
+            <a:r>
+              <a:rPr lang="en-US" dirty="0" err="1"/>
+              <a:t>GPS_to_screen</a:t>
+            </a:r>
+            <a:r>
+              <a:rPr lang="en-US" dirty="0"/>
+              <a:t>() scope</a:t>
+            </a:r>
+          </a:p>
+        </p:txBody>
+      </p:sp>
+      <p:sp>
+        <p:nvSpPr>
+          <p:cNvPr id="6" name="Up Arrow 5"/>
+          <p:cNvSpPr/>
+          <p:nvPr/>
+        </p:nvSpPr>
+        <p:spPr>
+          <a:xfrm rot="12485324">
+            <a:off x="8973126" y="4919093"/>
+            <a:ext cx="310393" cy="1111848"/>
+          </a:xfrm>
+          <a:prstGeom prst="upArrow">
+            <a:avLst/>
+          </a:prstGeom>
+          <a:solidFill>
+            <a:srgbClr val="FF0000"/>
+          </a:solidFill>
+          <a:ln>
+            <a:solidFill>
+              <a:srgbClr val="FFFF00"/>
+            </a:solidFill>
+          </a:ln>
+        </p:spPr>
+        <p:style>
+          <a:lnRef idx="2">
+            <a:schemeClr val="accent1">
+              <a:shade val="50000"/>
+            </a:schemeClr>
+          </a:lnRef>
+          <a:fillRef idx="1">
+            <a:schemeClr val="accent1"/>
+          </a:fillRef>
+          <a:effectRef idx="0">
+            <a:schemeClr val="accent1"/>
+          </a:effectRef>
+          <a:fontRef idx="minor">
+            <a:schemeClr val="lt1"/>
+          </a:fontRef>
+        </p:style>
+        <p:txBody>
+          <a:bodyPr rtlCol="0" anchor="ctr"/>
+          <a:lstStyle/>
+          <a:p>
+            <a:pPr algn="ctr"/>
+            <a:endParaRPr lang="en-GB"/>
+          </a:p>
+        </p:txBody>
+      </p:sp>
+      <p:sp>
+        <p:nvSpPr>
+          <p:cNvPr id="5" name="TextBox 4">
+            <a:extLst>
+              <a:ext uri="{FF2B5EF4-FFF2-40B4-BE49-F238E27FC236}">
+                <a16:creationId xmlns:a16="http://schemas.microsoft.com/office/drawing/2014/main" id="{77DC4494-7980-45FB-8FFB-0312DEFB6493}"/>
+              </a:ext>
+            </a:extLst>
+          </p:cNvPr>
+          <p:cNvSpPr txBox="1"/>
+          <p:nvPr/>
+        </p:nvSpPr>
+        <p:spPr>
+          <a:xfrm>
+            <a:off x="9166423" y="2803648"/>
+            <a:ext cx="2383722" cy="1477328"/>
+          </a:xfrm>
+          <a:prstGeom prst="rect">
+            <a:avLst/>
+          </a:prstGeom>
+          <a:noFill/>
+        </p:spPr>
+        <p:txBody>
+          <a:bodyPr wrap="square" rtlCol="0">
+            <a:spAutoFit/>
+          </a:bodyPr>
+          <a:lstStyle/>
+          <a:p>
+            <a:r>
+              <a:rPr lang="en-US" dirty="0"/>
+              <a:t>Ctrl-Alt-Double click, binding to close the app</a:t>
+            </a:r>
+          </a:p>
+          <a:p>
+            <a:endParaRPr lang="en-US" dirty="0"/>
+          </a:p>
+          <a:p>
+            <a:r>
+              <a:rPr lang="en-US" dirty="0"/>
+              <a:t>Scope of </a:t>
+            </a:r>
+            <a:r>
+              <a:rPr lang="en-US" dirty="0" err="1"/>
+              <a:t>TrackPlot</a:t>
+            </a:r>
+            <a:r>
+              <a:rPr lang="en-US" dirty="0"/>
+              <a:t>() ?</a:t>
+            </a:r>
+          </a:p>
+        </p:txBody>
+      </p:sp>
+      <p:pic>
+        <p:nvPicPr>
+          <p:cNvPr id="7" name="Picture 6">
+            <a:extLst>
+              <a:ext uri="{FF2B5EF4-FFF2-40B4-BE49-F238E27FC236}">
+                <a16:creationId xmlns:a16="http://schemas.microsoft.com/office/drawing/2014/main" id="{B9F08003-193A-46A4-98C2-976CD65E0A00}"/>
+              </a:ext>
+            </a:extLst>
+          </p:cNvPr>
+          <p:cNvPicPr>
+            <a:picLocks noChangeAspect="1"/>
+          </p:cNvPicPr>
+          <p:nvPr/>
+        </p:nvPicPr>
+        <p:blipFill>
+          <a:blip r:embed="rId2"/>
+          <a:stretch>
+            <a:fillRect/>
+          </a:stretch>
+        </p:blipFill>
+        <p:spPr>
+          <a:xfrm>
+            <a:off x="9013841" y="0"/>
+            <a:ext cx="2983516" cy="6858000"/>
+          </a:xfrm>
+          <a:prstGeom prst="rect">
+            <a:avLst/>
+          </a:prstGeom>
+        </p:spPr>
+      </p:pic>
+      <p:pic>
+        <p:nvPicPr>
+          <p:cNvPr id="9" name="Picture 8">
+            <a:extLst>
+              <a:ext uri="{FF2B5EF4-FFF2-40B4-BE49-F238E27FC236}">
+                <a16:creationId xmlns:a16="http://schemas.microsoft.com/office/drawing/2014/main" id="{4DF1BA40-2D9A-492B-982A-29E7B34DB279}"/>
+              </a:ext>
+            </a:extLst>
+          </p:cNvPr>
+          <p:cNvPicPr>
+            <a:picLocks noChangeAspect="1"/>
+          </p:cNvPicPr>
+          <p:nvPr/>
+        </p:nvPicPr>
+        <p:blipFill>
+          <a:blip r:embed="rId3"/>
+          <a:stretch>
+            <a:fillRect/>
+          </a:stretch>
+        </p:blipFill>
+        <p:spPr>
+          <a:xfrm>
+            <a:off x="5646331" y="0"/>
+            <a:ext cx="3007032" cy="6858000"/>
+          </a:xfrm>
+          <a:prstGeom prst="rect">
+            <a:avLst/>
+          </a:prstGeom>
+        </p:spPr>
+      </p:pic>
+      <p:pic>
+        <p:nvPicPr>
+          <p:cNvPr id="8" name="Picture 7">
+            <a:extLst>
+              <a:ext uri="{FF2B5EF4-FFF2-40B4-BE49-F238E27FC236}">
+                <a16:creationId xmlns:a16="http://schemas.microsoft.com/office/drawing/2014/main" id="{33F6ACE6-B282-43BB-92A8-E8D3CE9B84F5}"/>
+              </a:ext>
+            </a:extLst>
+          </p:cNvPr>
+          <p:cNvPicPr>
+            <a:picLocks noChangeAspect="1"/>
+          </p:cNvPicPr>
+          <p:nvPr/>
+        </p:nvPicPr>
+        <p:blipFill>
+          <a:blip r:embed="rId4"/>
+          <a:stretch>
+            <a:fillRect/>
+          </a:stretch>
+        </p:blipFill>
+        <p:spPr>
+          <a:xfrm>
+            <a:off x="2256903" y="1690688"/>
+            <a:ext cx="3028950" cy="3000375"/>
+          </a:xfrm>
+          <a:prstGeom prst="rect">
+            <a:avLst/>
+          </a:prstGeom>
+        </p:spPr>
+      </p:pic>
+      <p:pic>
+        <p:nvPicPr>
+          <p:cNvPr id="11" name="Picture 10">
+            <a:extLst>
+              <a:ext uri="{FF2B5EF4-FFF2-40B4-BE49-F238E27FC236}">
+                <a16:creationId xmlns:a16="http://schemas.microsoft.com/office/drawing/2014/main" id="{ECBA33D5-9199-4AEE-9A51-FBB06DF0E66E}"/>
+              </a:ext>
+            </a:extLst>
+          </p:cNvPr>
+          <p:cNvPicPr>
+            <a:picLocks noChangeAspect="1"/>
+          </p:cNvPicPr>
+          <p:nvPr/>
+        </p:nvPicPr>
+        <p:blipFill>
+          <a:blip r:embed="rId5"/>
+          <a:stretch>
+            <a:fillRect/>
+          </a:stretch>
+        </p:blipFill>
+        <p:spPr>
+          <a:xfrm>
+            <a:off x="2256903" y="2696143"/>
+            <a:ext cx="2505075" cy="2371725"/>
+          </a:xfrm>
+          <a:prstGeom prst="rect">
+            <a:avLst/>
+          </a:prstGeom>
+        </p:spPr>
+      </p:pic>
+      <p:pic>
+        <p:nvPicPr>
+          <p:cNvPr id="12" name="Picture 11">
+            <a:extLst>
+              <a:ext uri="{FF2B5EF4-FFF2-40B4-BE49-F238E27FC236}">
+                <a16:creationId xmlns:a16="http://schemas.microsoft.com/office/drawing/2014/main" id="{DE731D0D-9530-4CA1-9AC6-3E497E57038C}"/>
+              </a:ext>
+            </a:extLst>
+          </p:cNvPr>
+          <p:cNvPicPr>
+            <a:picLocks noChangeAspect="1"/>
+          </p:cNvPicPr>
+          <p:nvPr/>
+        </p:nvPicPr>
+        <p:blipFill>
+          <a:blip r:embed="rId6"/>
+          <a:stretch>
+            <a:fillRect/>
+          </a:stretch>
+        </p:blipFill>
+        <p:spPr>
+          <a:xfrm>
+            <a:off x="5570040" y="4148846"/>
+            <a:ext cx="3623504" cy="2490179"/>
+          </a:xfrm>
+          <a:prstGeom prst="rect">
+            <a:avLst/>
+          </a:prstGeom>
+        </p:spPr>
+      </p:pic>
+      <p:pic>
+        <p:nvPicPr>
+          <p:cNvPr id="13" name="Picture 12">
+            <a:extLst>
+              <a:ext uri="{FF2B5EF4-FFF2-40B4-BE49-F238E27FC236}">
+                <a16:creationId xmlns:a16="http://schemas.microsoft.com/office/drawing/2014/main" id="{56ADE15B-C5AF-45A2-B2FD-CB023CEC453D}"/>
+              </a:ext>
+            </a:extLst>
+          </p:cNvPr>
+          <p:cNvPicPr>
+            <a:picLocks noChangeAspect="1"/>
+          </p:cNvPicPr>
+          <p:nvPr/>
+        </p:nvPicPr>
+        <p:blipFill>
+          <a:blip r:embed="rId7"/>
+          <a:stretch>
+            <a:fillRect/>
+          </a:stretch>
+        </p:blipFill>
+        <p:spPr>
+          <a:xfrm>
+            <a:off x="5931017" y="257988"/>
+            <a:ext cx="4253178" cy="3284324"/>
+          </a:xfrm>
+          <a:prstGeom prst="rect">
+            <a:avLst/>
+          </a:prstGeom>
+        </p:spPr>
+      </p:pic>
+    </p:spTree>
+    <p:extLst>
+      <p:ext uri="{BB962C8B-B14F-4D97-AF65-F5344CB8AC3E}">
+        <p14:creationId xmlns:p14="http://schemas.microsoft.com/office/powerpoint/2010/main" val="1168888774"/>
       </p:ext>
     </p:extLst>
   </p:cSld>
